--- a/Documentation/presentation_giang.pptx
+++ b/Documentation/presentation_giang.pptx
@@ -284,7 +284,7 @@
     </p:spTree>
     <p:extLst>
       <p:ext uri="{BB962C8B-B14F-4D97-AF65-F5344CB8AC3E}">
-        <p14:creationId xmlns:p14="http://schemas.microsoft.com/office/powerpoint/2010/main" val="1720896244"/>
+        <p14:creationId xmlns:p14="http://schemas.microsoft.com/office/powerpoint/2010/main" xmlns="" val="1720896244"/>
       </p:ext>
     </p:extLst>
   </p:cSld>
@@ -1083,7 +1083,7 @@
           <a:blip r:embed="rId2">
             <a:extLst>
               <a:ext uri="{28A0092B-C50C-407E-A947-70E740481C1C}">
-                <a14:useLocalDpi xmlns:a14="http://schemas.microsoft.com/office/drawing/2010/main" val="0"/>
+                <a14:useLocalDpi xmlns:a14="http://schemas.microsoft.com/office/drawing/2010/main" xmlns="" val="0"/>
               </a:ext>
             </a:extLst>
           </a:blip>
@@ -1107,14 +1107,14 @@
           <a:effectLst/>
           <a:extLst>
             <a:ext uri="{909E8E84-426E-40DD-AFC4-6F175D3DCCD1}">
-              <a14:hiddenFill xmlns:a14="http://schemas.microsoft.com/office/drawing/2010/main">
+              <a14:hiddenFill xmlns:a14="http://schemas.microsoft.com/office/drawing/2010/main" xmlns="">
                 <a:solidFill>
                   <a:schemeClr val="accent1"/>
                 </a:solidFill>
               </a14:hiddenFill>
             </a:ext>
             <a:ext uri="{91240B29-F687-4F45-9708-019B960494DF}">
-              <a14:hiddenLine xmlns:a14="http://schemas.microsoft.com/office/drawing/2010/main" w="9525">
+              <a14:hiddenLine xmlns:a14="http://schemas.microsoft.com/office/drawing/2010/main" xmlns="" w="9525">
                 <a:solidFill>
                   <a:schemeClr val="tx1"/>
                 </a:solidFill>
@@ -1124,7 +1124,7 @@
               </a14:hiddenLine>
             </a:ext>
             <a:ext uri="{AF507438-7753-43E0-B8FC-AC1667EBCBE1}">
-              <a14:hiddenEffects xmlns:a14="http://schemas.microsoft.com/office/drawing/2010/main">
+              <a14:hiddenEffects xmlns:a14="http://schemas.microsoft.com/office/drawing/2010/main" xmlns="">
                 <a:effectLst>
                   <a:outerShdw dist="35921" dir="2700000" algn="ctr" rotWithShape="0">
                     <a:schemeClr val="bg2"/>
@@ -2196,7 +2196,7 @@
           <a:blip r:embed="rId2">
             <a:extLst>
               <a:ext uri="{28A0092B-C50C-407E-A947-70E740481C1C}">
-                <a14:useLocalDpi xmlns:a14="http://schemas.microsoft.com/office/drawing/2010/main" val="0"/>
+                <a14:useLocalDpi xmlns:a14="http://schemas.microsoft.com/office/drawing/2010/main" xmlns="" val="0"/>
               </a:ext>
             </a:extLst>
           </a:blip>
@@ -2220,14 +2220,14 @@
           <a:effectLst/>
           <a:extLst>
             <a:ext uri="{909E8E84-426E-40DD-AFC4-6F175D3DCCD1}">
-              <a14:hiddenFill xmlns:a14="http://schemas.microsoft.com/office/drawing/2010/main">
+              <a14:hiddenFill xmlns:a14="http://schemas.microsoft.com/office/drawing/2010/main" xmlns="">
                 <a:solidFill>
                   <a:schemeClr val="accent1"/>
                 </a:solidFill>
               </a14:hiddenFill>
             </a:ext>
             <a:ext uri="{91240B29-F687-4F45-9708-019B960494DF}">
-              <a14:hiddenLine xmlns:a14="http://schemas.microsoft.com/office/drawing/2010/main" w="9525">
+              <a14:hiddenLine xmlns:a14="http://schemas.microsoft.com/office/drawing/2010/main" xmlns="" w="9525">
                 <a:solidFill>
                   <a:schemeClr val="tx1"/>
                 </a:solidFill>
@@ -2237,7 +2237,7 @@
               </a14:hiddenLine>
             </a:ext>
             <a:ext uri="{AF507438-7753-43E0-B8FC-AC1667EBCBE1}">
-              <a14:hiddenEffects xmlns:a14="http://schemas.microsoft.com/office/drawing/2010/main">
+              <a14:hiddenEffects xmlns:a14="http://schemas.microsoft.com/office/drawing/2010/main" xmlns="">
                 <a:effectLst>
                   <a:outerShdw dist="35921" dir="2700000" algn="ctr" rotWithShape="0">
                     <a:schemeClr val="bg2"/>
@@ -4629,11 +4629,7 @@
             </a:r>
             <a:r>
               <a:rPr lang="en-US" dirty="0" smtClean="0"/>
-              <a:t> </a:t>
-            </a:r>
-            <a:r>
-              <a:rPr lang="en-US" dirty="0" smtClean="0"/>
-              <a:t>Recognition System LLC</a:t>
+              <a:t> Recognition System LLC</a:t>
             </a:r>
             <a:endParaRPr lang="en-US" dirty="0"/>
           </a:p>
@@ -4651,7 +4647,7 @@
           <a:blip r:embed="rId2">
             <a:extLst>
               <a:ext uri="{28A0092B-C50C-407E-A947-70E740481C1C}">
-                <a14:useLocalDpi xmlns:a14="http://schemas.microsoft.com/office/drawing/2010/main" val="0"/>
+                <a14:useLocalDpi xmlns:a14="http://schemas.microsoft.com/office/drawing/2010/main" xmlns="" val="0"/>
               </a:ext>
             </a:extLst>
           </a:blip>
@@ -4675,14 +4671,14 @@
           <a:effectLst/>
           <a:extLst>
             <a:ext uri="{909E8E84-426E-40DD-AFC4-6F175D3DCCD1}">
-              <a14:hiddenFill xmlns:a14="http://schemas.microsoft.com/office/drawing/2010/main">
+              <a14:hiddenFill xmlns:a14="http://schemas.microsoft.com/office/drawing/2010/main" xmlns="">
                 <a:solidFill>
                   <a:schemeClr val="accent1"/>
                 </a:solidFill>
               </a14:hiddenFill>
             </a:ext>
             <a:ext uri="{91240B29-F687-4F45-9708-019B960494DF}">
-              <a14:hiddenLine xmlns:a14="http://schemas.microsoft.com/office/drawing/2010/main" w="9525">
+              <a14:hiddenLine xmlns:a14="http://schemas.microsoft.com/office/drawing/2010/main" xmlns="" w="9525">
                 <a:solidFill>
                   <a:schemeClr val="tx1"/>
                 </a:solidFill>
@@ -4692,7 +4688,7 @@
               </a14:hiddenLine>
             </a:ext>
             <a:ext uri="{AF507438-7753-43E0-B8FC-AC1667EBCBE1}">
-              <a14:hiddenEffects xmlns:a14="http://schemas.microsoft.com/office/drawing/2010/main">
+              <a14:hiddenEffects xmlns:a14="http://schemas.microsoft.com/office/drawing/2010/main" xmlns="">
                 <a:effectLst>
                   <a:outerShdw dist="35921" dir="2700000" algn="ctr" rotWithShape="0">
                     <a:schemeClr val="bg2"/>
@@ -4715,7 +4711,7 @@
           <a:blip r:embed="rId3">
             <a:extLst>
               <a:ext uri="{28A0092B-C50C-407E-A947-70E740481C1C}">
-                <a14:useLocalDpi xmlns:a14="http://schemas.microsoft.com/office/drawing/2010/main" val="0"/>
+                <a14:useLocalDpi xmlns:a14="http://schemas.microsoft.com/office/drawing/2010/main" xmlns="" val="0"/>
               </a:ext>
             </a:extLst>
           </a:blip>
@@ -4739,14 +4735,14 @@
           <a:effectLst/>
           <a:extLst>
             <a:ext uri="{909E8E84-426E-40DD-AFC4-6F175D3DCCD1}">
-              <a14:hiddenFill xmlns:a14="http://schemas.microsoft.com/office/drawing/2010/main">
+              <a14:hiddenFill xmlns:a14="http://schemas.microsoft.com/office/drawing/2010/main" xmlns="">
                 <a:solidFill>
                   <a:schemeClr val="accent1"/>
                 </a:solidFill>
               </a14:hiddenFill>
             </a:ext>
             <a:ext uri="{91240B29-F687-4F45-9708-019B960494DF}">
-              <a14:hiddenLine xmlns:a14="http://schemas.microsoft.com/office/drawing/2010/main" w="9525">
+              <a14:hiddenLine xmlns:a14="http://schemas.microsoft.com/office/drawing/2010/main" xmlns="" w="9525">
                 <a:solidFill>
                   <a:schemeClr val="tx1"/>
                 </a:solidFill>
@@ -4756,7 +4752,7 @@
               </a14:hiddenLine>
             </a:ext>
             <a:ext uri="{AF507438-7753-43E0-B8FC-AC1667EBCBE1}">
-              <a14:hiddenEffects xmlns:a14="http://schemas.microsoft.com/office/drawing/2010/main">
+              <a14:hiddenEffects xmlns:a14="http://schemas.microsoft.com/office/drawing/2010/main" xmlns="">
                 <a:effectLst>
                   <a:outerShdw dist="35921" dir="2700000" algn="ctr" rotWithShape="0">
                     <a:schemeClr val="bg2"/>
@@ -6103,7 +6099,7 @@
           <a:blip r:embed="rId2">
             <a:extLst>
               <a:ext uri="{28A0092B-C50C-407E-A947-70E740481C1C}">
-                <a14:useLocalDpi xmlns:a14="http://schemas.microsoft.com/office/drawing/2010/main" val="0"/>
+                <a14:useLocalDpi xmlns:a14="http://schemas.microsoft.com/office/drawing/2010/main" xmlns="" val="0"/>
               </a:ext>
             </a:extLst>
           </a:blip>
@@ -6127,14 +6123,14 @@
           <a:effectLst/>
           <a:extLst>
             <a:ext uri="{909E8E84-426E-40DD-AFC4-6F175D3DCCD1}">
-              <a14:hiddenFill xmlns:a14="http://schemas.microsoft.com/office/drawing/2010/main">
+              <a14:hiddenFill xmlns:a14="http://schemas.microsoft.com/office/drawing/2010/main" xmlns="">
                 <a:solidFill>
                   <a:schemeClr val="accent1"/>
                 </a:solidFill>
               </a14:hiddenFill>
             </a:ext>
             <a:ext uri="{91240B29-F687-4F45-9708-019B960494DF}">
-              <a14:hiddenLine xmlns:a14="http://schemas.microsoft.com/office/drawing/2010/main" w="9525">
+              <a14:hiddenLine xmlns:a14="http://schemas.microsoft.com/office/drawing/2010/main" xmlns="" w="9525">
                 <a:solidFill>
                   <a:schemeClr val="tx1"/>
                 </a:solidFill>
@@ -6144,7 +6140,7 @@
               </a14:hiddenLine>
             </a:ext>
             <a:ext uri="{AF507438-7753-43E0-B8FC-AC1667EBCBE1}">
-              <a14:hiddenEffects xmlns:a14="http://schemas.microsoft.com/office/drawing/2010/main">
+              <a14:hiddenEffects xmlns:a14="http://schemas.microsoft.com/office/drawing/2010/main" xmlns="">
                 <a:effectLst>
                   <a:outerShdw dist="35921" dir="2700000" algn="ctr" rotWithShape="0">
                     <a:schemeClr val="bg2"/>
@@ -6221,7 +6217,7 @@
     </p:spTree>
     <p:extLst>
       <p:ext uri="{BB962C8B-B14F-4D97-AF65-F5344CB8AC3E}">
-        <p14:creationId xmlns:p14="http://schemas.microsoft.com/office/powerpoint/2010/main" val="920857711"/>
+        <p14:creationId xmlns:p14="http://schemas.microsoft.com/office/powerpoint/2010/main" xmlns="" val="920857711"/>
       </p:ext>
     </p:extLst>
   </p:cSld>
@@ -6735,7 +6731,7 @@
           <a:blip r:embed="rId2">
             <a:extLst>
               <a:ext uri="{28A0092B-C50C-407E-A947-70E740481C1C}">
-                <a14:useLocalDpi xmlns:a14="http://schemas.microsoft.com/office/drawing/2010/main" val="0"/>
+                <a14:useLocalDpi xmlns:a14="http://schemas.microsoft.com/office/drawing/2010/main" xmlns="" val="0"/>
               </a:ext>
             </a:extLst>
           </a:blip>
@@ -6759,14 +6755,14 @@
           <a:effectLst/>
           <a:extLst>
             <a:ext uri="{909E8E84-426E-40DD-AFC4-6F175D3DCCD1}">
-              <a14:hiddenFill xmlns:a14="http://schemas.microsoft.com/office/drawing/2010/main">
+              <a14:hiddenFill xmlns:a14="http://schemas.microsoft.com/office/drawing/2010/main" xmlns="">
                 <a:solidFill>
                   <a:schemeClr val="accent1"/>
                 </a:solidFill>
               </a14:hiddenFill>
             </a:ext>
             <a:ext uri="{91240B29-F687-4F45-9708-019B960494DF}">
-              <a14:hiddenLine xmlns:a14="http://schemas.microsoft.com/office/drawing/2010/main" w="9525">
+              <a14:hiddenLine xmlns:a14="http://schemas.microsoft.com/office/drawing/2010/main" xmlns="" w="9525">
                 <a:solidFill>
                   <a:schemeClr val="tx1"/>
                 </a:solidFill>
@@ -6776,7 +6772,7 @@
               </a14:hiddenLine>
             </a:ext>
             <a:ext uri="{AF507438-7753-43E0-B8FC-AC1667EBCBE1}">
-              <a14:hiddenEffects xmlns:a14="http://schemas.microsoft.com/office/drawing/2010/main">
+              <a14:hiddenEffects xmlns:a14="http://schemas.microsoft.com/office/drawing/2010/main" xmlns="">
                 <a:effectLst>
                   <a:outerShdw dist="35921" dir="2700000" algn="ctr" rotWithShape="0">
                     <a:schemeClr val="bg2"/>
@@ -6840,7 +6836,7 @@
     </p:spTree>
     <p:extLst>
       <p:ext uri="{BB962C8B-B14F-4D97-AF65-F5344CB8AC3E}">
-        <p14:creationId xmlns:p14="http://schemas.microsoft.com/office/powerpoint/2010/main" val="635753240"/>
+        <p14:creationId xmlns:p14="http://schemas.microsoft.com/office/powerpoint/2010/main" xmlns="" val="635753240"/>
       </p:ext>
     </p:extLst>
   </p:cSld>
@@ -6959,7 +6955,7 @@
           <a:blip r:embed="rId2">
             <a:extLst>
               <a:ext uri="{28A0092B-C50C-407E-A947-70E740481C1C}">
-                <a14:useLocalDpi xmlns:a14="http://schemas.microsoft.com/office/drawing/2010/main" val="0"/>
+                <a14:useLocalDpi xmlns:a14="http://schemas.microsoft.com/office/drawing/2010/main" xmlns="" val="0"/>
               </a:ext>
             </a:extLst>
           </a:blip>
@@ -6983,14 +6979,14 @@
           <a:effectLst/>
           <a:extLst>
             <a:ext uri="{909E8E84-426E-40DD-AFC4-6F175D3DCCD1}">
-              <a14:hiddenFill xmlns:a14="http://schemas.microsoft.com/office/drawing/2010/main">
+              <a14:hiddenFill xmlns:a14="http://schemas.microsoft.com/office/drawing/2010/main" xmlns="">
                 <a:solidFill>
                   <a:schemeClr val="accent1"/>
                 </a:solidFill>
               </a14:hiddenFill>
             </a:ext>
             <a:ext uri="{91240B29-F687-4F45-9708-019B960494DF}">
-              <a14:hiddenLine xmlns:a14="http://schemas.microsoft.com/office/drawing/2010/main" w="9525">
+              <a14:hiddenLine xmlns:a14="http://schemas.microsoft.com/office/drawing/2010/main" xmlns="" w="9525">
                 <a:solidFill>
                   <a:schemeClr val="tx1"/>
                 </a:solidFill>
@@ -7000,7 +6996,7 @@
               </a14:hiddenLine>
             </a:ext>
             <a:ext uri="{AF507438-7753-43E0-B8FC-AC1667EBCBE1}">
-              <a14:hiddenEffects xmlns:a14="http://schemas.microsoft.com/office/drawing/2010/main">
+              <a14:hiddenEffects xmlns:a14="http://schemas.microsoft.com/office/drawing/2010/main" xmlns="">
                 <a:effectLst>
                   <a:outerShdw dist="35921" dir="2700000" algn="ctr" rotWithShape="0">
                     <a:schemeClr val="bg2"/>
@@ -7104,7 +7100,7 @@
     </p:spTree>
     <p:extLst>
       <p:ext uri="{BB962C8B-B14F-4D97-AF65-F5344CB8AC3E}">
-        <p14:creationId xmlns:p14="http://schemas.microsoft.com/office/powerpoint/2010/main" val="1297011577"/>
+        <p14:creationId xmlns:p14="http://schemas.microsoft.com/office/powerpoint/2010/main" xmlns="" val="1297011577"/>
       </p:ext>
     </p:extLst>
   </p:cSld>
@@ -7183,7 +7179,7 @@
     </p:spTree>
     <p:extLst>
       <p:ext uri="{BB962C8B-B14F-4D97-AF65-F5344CB8AC3E}">
-        <p14:creationId xmlns:p14="http://schemas.microsoft.com/office/powerpoint/2010/main" val="1280618262"/>
+        <p14:creationId xmlns:p14="http://schemas.microsoft.com/office/powerpoint/2010/main" xmlns="" val="1280618262"/>
       </p:ext>
     </p:extLst>
   </p:cSld>
@@ -7552,10 +7548,38 @@
           </a:p>
         </p:txBody>
       </p:sp>
+      <p:pic>
+        <p:nvPicPr>
+          <p:cNvPr id="5" name="Monsters.vs.Aliens.2009.splitted-002.avi">
+            <a:hlinkClick r:id="" action="ppaction://media"/>
+          </p:cNvPr>
+          <p:cNvPicPr>
+            <a:picLocks noRot="1" noChangeAspect="1"/>
+          </p:cNvPicPr>
+          <p:nvPr>
+            <a:videoFile r:link="rId1"/>
+          </p:nvPr>
+        </p:nvPicPr>
+        <p:blipFill>
+          <a:blip r:embed="rId3"/>
+          <a:stretch>
+            <a:fillRect/>
+          </a:stretch>
+        </p:blipFill>
+        <p:spPr>
+          <a:xfrm>
+            <a:off x="0" y="2057400"/>
+            <a:ext cx="9144000" cy="4572000"/>
+          </a:xfrm>
+          <a:prstGeom prst="rect">
+            <a:avLst/>
+          </a:prstGeom>
+        </p:spPr>
+      </p:pic>
     </p:spTree>
     <p:extLst>
       <p:ext uri="{BB962C8B-B14F-4D97-AF65-F5344CB8AC3E}">
-        <p14:creationId xmlns:p14="http://schemas.microsoft.com/office/powerpoint/2010/main" val="631339435"/>
+        <p14:creationId xmlns:p14="http://schemas.microsoft.com/office/powerpoint/2010/main" xmlns="" val="631339435"/>
       </p:ext>
     </p:extLst>
   </p:cSld>
@@ -7565,7 +7589,150 @@
   <p:timing>
     <p:tnLst>
       <p:par>
-        <p:cTn id="1" dur="indefinite" restart="never" nodeType="tmRoot"/>
+        <p:cTn id="1" dur="indefinite" restart="never" nodeType="tmRoot">
+          <p:childTnLst>
+            <p:seq concurrent="1" nextAc="seek">
+              <p:cTn id="2" dur="indefinite" nodeType="mainSeq">
+                <p:childTnLst>
+                  <p:par>
+                    <p:cTn id="3" fill="hold">
+                      <p:stCondLst>
+                        <p:cond delay="indefinite"/>
+                        <p:cond evt="onBegin" delay="0">
+                          <p:tn val="2"/>
+                        </p:cond>
+                      </p:stCondLst>
+                      <p:childTnLst>
+                        <p:par>
+                          <p:cTn id="4" fill="hold">
+                            <p:stCondLst>
+                              <p:cond delay="0"/>
+                            </p:stCondLst>
+                            <p:childTnLst>
+                              <p:par>
+                                <p:cTn id="5" presetID="1" presetClass="mediacall" presetSubtype="0" fill="hold" nodeType="afterEffect">
+                                  <p:stCondLst>
+                                    <p:cond delay="0"/>
+                                  </p:stCondLst>
+                                  <p:childTnLst>
+                                    <p:cmd type="call" cmd="playFrom(0.0)">
+                                      <p:cBhvr>
+                                        <p:cTn id="6" dur="19475" fill="hold"/>
+                                        <p:tgtEl>
+                                          <p:spTgt spid="5"/>
+                                        </p:tgtEl>
+                                      </p:cBhvr>
+                                    </p:cmd>
+                                  </p:childTnLst>
+                                </p:cTn>
+                              </p:par>
+                            </p:childTnLst>
+                          </p:cTn>
+                        </p:par>
+                      </p:childTnLst>
+                    </p:cTn>
+                  </p:par>
+                </p:childTnLst>
+              </p:cTn>
+              <p:prevCondLst>
+                <p:cond evt="onPrev" delay="0">
+                  <p:tgtEl>
+                    <p:sldTgt/>
+                  </p:tgtEl>
+                </p:cond>
+              </p:prevCondLst>
+              <p:nextCondLst>
+                <p:cond evt="onNext" delay="0">
+                  <p:tgtEl>
+                    <p:sldTgt/>
+                  </p:tgtEl>
+                </p:cond>
+              </p:nextCondLst>
+            </p:seq>
+            <p:video>
+              <p:cMediaNode>
+                <p:cTn id="7" fill="hold" display="0">
+                  <p:stCondLst>
+                    <p:cond delay="indefinite"/>
+                  </p:stCondLst>
+                  <p:endCondLst>
+                    <p:cond evt="onNext" delay="0">
+                      <p:tgtEl>
+                        <p:sldTgt/>
+                      </p:tgtEl>
+                    </p:cond>
+                    <p:cond evt="onPrev" delay="0">
+                      <p:tgtEl>
+                        <p:sldTgt/>
+                      </p:tgtEl>
+                    </p:cond>
+                  </p:endCondLst>
+                </p:cTn>
+                <p:tgtEl>
+                  <p:spTgt spid="5"/>
+                </p:tgtEl>
+              </p:cMediaNode>
+            </p:video>
+            <p:seq concurrent="1" nextAc="seek">
+              <p:cTn id="8" restart="whenNotActive" fill="hold" evtFilter="cancelBubble" nodeType="interactiveSeq">
+                <p:stCondLst>
+                  <p:cond evt="onClick" delay="0">
+                    <p:tgtEl>
+                      <p:spTgt spid="5"/>
+                    </p:tgtEl>
+                  </p:cond>
+                </p:stCondLst>
+                <p:endSync evt="end" delay="0">
+                  <p:rtn val="all"/>
+                </p:endSync>
+                <p:childTnLst>
+                  <p:par>
+                    <p:cTn id="9" fill="hold">
+                      <p:stCondLst>
+                        <p:cond delay="0"/>
+                      </p:stCondLst>
+                      <p:childTnLst>
+                        <p:par>
+                          <p:cTn id="10" fill="hold">
+                            <p:stCondLst>
+                              <p:cond delay="0"/>
+                            </p:stCondLst>
+                            <p:childTnLst>
+                              <p:par>
+                                <p:cTn id="11" presetID="2" presetClass="mediacall" presetSubtype="0" fill="hold" nodeType="clickEffect">
+                                  <p:stCondLst>
+                                    <p:cond delay="0"/>
+                                  </p:stCondLst>
+                                  <p:childTnLst>
+                                    <p:cmd type="call" cmd="togglePause">
+                                      <p:cBhvr>
+                                        <p:cTn id="12" dur="1" fill="hold"/>
+                                        <p:tgtEl>
+                                          <p:spTgt spid="5"/>
+                                        </p:tgtEl>
+                                      </p:cBhvr>
+                                    </p:cmd>
+                                  </p:childTnLst>
+                                </p:cTn>
+                              </p:par>
+                            </p:childTnLst>
+                          </p:cTn>
+                        </p:par>
+                      </p:childTnLst>
+                    </p:cTn>
+                  </p:par>
+                </p:childTnLst>
+              </p:cTn>
+              <p:nextCondLst>
+                <p:cond evt="onClick" delay="0">
+                  <p:tgtEl>
+                    <p:spTgt spid="5"/>
+                  </p:tgtEl>
+                </p:cond>
+              </p:nextCondLst>
+            </p:seq>
+          </p:childTnLst>
+        </p:cTn>
       </p:par>
     </p:tnLst>
   </p:timing>
@@ -7651,7 +7818,7 @@
           <a:blip r:embed="rId2">
             <a:extLst>
               <a:ext uri="{28A0092B-C50C-407E-A947-70E740481C1C}">
-                <a14:useLocalDpi xmlns:a14="http://schemas.microsoft.com/office/drawing/2010/main" val="0"/>
+                <a14:useLocalDpi xmlns:a14="http://schemas.microsoft.com/office/drawing/2010/main" xmlns="" val="0"/>
               </a:ext>
             </a:extLst>
           </a:blip>
@@ -7675,14 +7842,14 @@
           <a:effectLst/>
           <a:extLst>
             <a:ext uri="{909E8E84-426E-40DD-AFC4-6F175D3DCCD1}">
-              <a14:hiddenFill xmlns:a14="http://schemas.microsoft.com/office/drawing/2010/main">
+              <a14:hiddenFill xmlns:a14="http://schemas.microsoft.com/office/drawing/2010/main" xmlns="">
                 <a:solidFill>
                   <a:schemeClr val="accent1"/>
                 </a:solidFill>
               </a14:hiddenFill>
             </a:ext>
             <a:ext uri="{91240B29-F687-4F45-9708-019B960494DF}">
-              <a14:hiddenLine xmlns:a14="http://schemas.microsoft.com/office/drawing/2010/main" w="9525">
+              <a14:hiddenLine xmlns:a14="http://schemas.microsoft.com/office/drawing/2010/main" xmlns="" w="9525">
                 <a:solidFill>
                   <a:schemeClr val="tx1"/>
                 </a:solidFill>
@@ -7692,7 +7859,7 @@
               </a14:hiddenLine>
             </a:ext>
             <a:ext uri="{AF507438-7753-43E0-B8FC-AC1667EBCBE1}">
-              <a14:hiddenEffects xmlns:a14="http://schemas.microsoft.com/office/drawing/2010/main">
+              <a14:hiddenEffects xmlns:a14="http://schemas.microsoft.com/office/drawing/2010/main" xmlns="">
                 <a:effectLst>
                   <a:outerShdw dist="35921" dir="2700000" algn="ctr" rotWithShape="0">
                     <a:schemeClr val="bg2"/>
@@ -7715,7 +7882,7 @@
           <a:blip r:embed="rId3">
             <a:extLst>
               <a:ext uri="{28A0092B-C50C-407E-A947-70E740481C1C}">
-                <a14:useLocalDpi xmlns:a14="http://schemas.microsoft.com/office/drawing/2010/main" val="0"/>
+                <a14:useLocalDpi xmlns:a14="http://schemas.microsoft.com/office/drawing/2010/main" xmlns="" val="0"/>
               </a:ext>
             </a:extLst>
           </a:blip>
@@ -7739,14 +7906,14 @@
           <a:effectLst/>
           <a:extLst>
             <a:ext uri="{909E8E84-426E-40DD-AFC4-6F175D3DCCD1}">
-              <a14:hiddenFill xmlns:a14="http://schemas.microsoft.com/office/drawing/2010/main">
+              <a14:hiddenFill xmlns:a14="http://schemas.microsoft.com/office/drawing/2010/main" xmlns="">
                 <a:solidFill>
                   <a:schemeClr val="accent1"/>
                 </a:solidFill>
               </a14:hiddenFill>
             </a:ext>
             <a:ext uri="{91240B29-F687-4F45-9708-019B960494DF}">
-              <a14:hiddenLine xmlns:a14="http://schemas.microsoft.com/office/drawing/2010/main" w="9525">
+              <a14:hiddenLine xmlns:a14="http://schemas.microsoft.com/office/drawing/2010/main" xmlns="" w="9525">
                 <a:solidFill>
                   <a:schemeClr val="tx1"/>
                 </a:solidFill>
@@ -7756,7 +7923,7 @@
               </a14:hiddenLine>
             </a:ext>
             <a:ext uri="{AF507438-7753-43E0-B8FC-AC1667EBCBE1}">
-              <a14:hiddenEffects xmlns:a14="http://schemas.microsoft.com/office/drawing/2010/main">
+              <a14:hiddenEffects xmlns:a14="http://schemas.microsoft.com/office/drawing/2010/main" xmlns="">
                 <a:effectLst>
                   <a:outerShdw dist="35921" dir="2700000" algn="ctr" rotWithShape="0">
                     <a:schemeClr val="bg2"/>
@@ -7779,7 +7946,7 @@
           <a:blip r:embed="rId4">
             <a:extLst>
               <a:ext uri="{28A0092B-C50C-407E-A947-70E740481C1C}">
-                <a14:useLocalDpi xmlns:a14="http://schemas.microsoft.com/office/drawing/2010/main" val="0"/>
+                <a14:useLocalDpi xmlns:a14="http://schemas.microsoft.com/office/drawing/2010/main" xmlns="" val="0"/>
               </a:ext>
             </a:extLst>
           </a:blip>
@@ -7803,14 +7970,14 @@
           <a:effectLst/>
           <a:extLst>
             <a:ext uri="{909E8E84-426E-40DD-AFC4-6F175D3DCCD1}">
-              <a14:hiddenFill xmlns:a14="http://schemas.microsoft.com/office/drawing/2010/main">
+              <a14:hiddenFill xmlns:a14="http://schemas.microsoft.com/office/drawing/2010/main" xmlns="">
                 <a:solidFill>
                   <a:schemeClr val="accent1"/>
                 </a:solidFill>
               </a14:hiddenFill>
             </a:ext>
             <a:ext uri="{91240B29-F687-4F45-9708-019B960494DF}">
-              <a14:hiddenLine xmlns:a14="http://schemas.microsoft.com/office/drawing/2010/main" w="9525">
+              <a14:hiddenLine xmlns:a14="http://schemas.microsoft.com/office/drawing/2010/main" xmlns="" w="9525">
                 <a:solidFill>
                   <a:schemeClr val="tx1"/>
                 </a:solidFill>
@@ -7820,7 +7987,7 @@
               </a14:hiddenLine>
             </a:ext>
             <a:ext uri="{AF507438-7753-43E0-B8FC-AC1667EBCBE1}">
-              <a14:hiddenEffects xmlns:a14="http://schemas.microsoft.com/office/drawing/2010/main">
+              <a14:hiddenEffects xmlns:a14="http://schemas.microsoft.com/office/drawing/2010/main" xmlns="">
                 <a:effectLst>
                   <a:outerShdw dist="35921" dir="2700000" algn="ctr" rotWithShape="0">
                     <a:schemeClr val="bg2"/>
@@ -8533,7 +8700,7 @@
           <a:blip r:embed="rId2">
             <a:extLst>
               <a:ext uri="{28A0092B-C50C-407E-A947-70E740481C1C}">
-                <a14:useLocalDpi xmlns:a14="http://schemas.microsoft.com/office/drawing/2010/main" val="0"/>
+                <a14:useLocalDpi xmlns:a14="http://schemas.microsoft.com/office/drawing/2010/main" xmlns="" val="0"/>
               </a:ext>
             </a:extLst>
           </a:blip>
@@ -8557,14 +8724,14 @@
           <a:effectLst/>
           <a:extLst>
             <a:ext uri="{909E8E84-426E-40DD-AFC4-6F175D3DCCD1}">
-              <a14:hiddenFill xmlns:a14="http://schemas.microsoft.com/office/drawing/2010/main">
+              <a14:hiddenFill xmlns:a14="http://schemas.microsoft.com/office/drawing/2010/main" xmlns="">
                 <a:solidFill>
                   <a:schemeClr val="accent1"/>
                 </a:solidFill>
               </a14:hiddenFill>
             </a:ext>
             <a:ext uri="{91240B29-F687-4F45-9708-019B960494DF}">
-              <a14:hiddenLine xmlns:a14="http://schemas.microsoft.com/office/drawing/2010/main" w="9525">
+              <a14:hiddenLine xmlns:a14="http://schemas.microsoft.com/office/drawing/2010/main" xmlns="" w="9525">
                 <a:solidFill>
                   <a:schemeClr val="tx1"/>
                 </a:solidFill>
@@ -8574,7 +8741,7 @@
               </a14:hiddenLine>
             </a:ext>
             <a:ext uri="{AF507438-7753-43E0-B8FC-AC1667EBCBE1}">
-              <a14:hiddenEffects xmlns:a14="http://schemas.microsoft.com/office/drawing/2010/main">
+              <a14:hiddenEffects xmlns:a14="http://schemas.microsoft.com/office/drawing/2010/main" xmlns="">
                 <a:effectLst>
                   <a:outerShdw dist="35921" dir="2700000" algn="ctr" rotWithShape="0">
                     <a:schemeClr val="bg2"/>
@@ -9111,7 +9278,7 @@
     </p:spTree>
     <p:extLst>
       <p:ext uri="{BB962C8B-B14F-4D97-AF65-F5344CB8AC3E}">
-        <p14:creationId xmlns:p14="http://schemas.microsoft.com/office/powerpoint/2010/main" val="1590311507"/>
+        <p14:creationId xmlns:p14="http://schemas.microsoft.com/office/powerpoint/2010/main" xmlns="" val="1590311507"/>
       </p:ext>
     </p:extLst>
   </p:cSld>
@@ -9848,7 +10015,7 @@
     </p:spTree>
     <p:extLst>
       <p:ext uri="{BB962C8B-B14F-4D97-AF65-F5344CB8AC3E}">
-        <p14:creationId xmlns:p14="http://schemas.microsoft.com/office/powerpoint/2010/main" val="1272277284"/>
+        <p14:creationId xmlns:p14="http://schemas.microsoft.com/office/powerpoint/2010/main" xmlns="" val="1272277284"/>
       </p:ext>
     </p:extLst>
   </p:cSld>
@@ -10383,7 +10550,7 @@
     </p:spTree>
     <p:extLst>
       <p:ext uri="{BB962C8B-B14F-4D97-AF65-F5344CB8AC3E}">
-        <p14:creationId xmlns:p14="http://schemas.microsoft.com/office/powerpoint/2010/main" val="2576316791"/>
+        <p14:creationId xmlns:p14="http://schemas.microsoft.com/office/powerpoint/2010/main" xmlns="" val="2576316791"/>
       </p:ext>
     </p:extLst>
   </p:cSld>
@@ -10550,7 +10717,7 @@
     </p:spTree>
     <p:extLst>
       <p:ext uri="{BB962C8B-B14F-4D97-AF65-F5344CB8AC3E}">
-        <p14:creationId xmlns:p14="http://schemas.microsoft.com/office/powerpoint/2010/main" val="4197966627"/>
+        <p14:creationId xmlns:p14="http://schemas.microsoft.com/office/powerpoint/2010/main" xmlns="" val="4197966627"/>
       </p:ext>
     </p:extLst>
   </p:cSld>
@@ -10717,7 +10884,7 @@
           <a:blip r:embed="rId2">
             <a:extLst>
               <a:ext uri="{28A0092B-C50C-407E-A947-70E740481C1C}">
-                <a14:useLocalDpi xmlns:a14="http://schemas.microsoft.com/office/drawing/2010/main" val="0"/>
+                <a14:useLocalDpi xmlns:a14="http://schemas.microsoft.com/office/drawing/2010/main" xmlns="" val="0"/>
               </a:ext>
             </a:extLst>
           </a:blip>
@@ -10741,14 +10908,14 @@
           <a:effectLst/>
           <a:extLst>
             <a:ext uri="{909E8E84-426E-40DD-AFC4-6F175D3DCCD1}">
-              <a14:hiddenFill xmlns:a14="http://schemas.microsoft.com/office/drawing/2010/main">
+              <a14:hiddenFill xmlns:a14="http://schemas.microsoft.com/office/drawing/2010/main" xmlns="">
                 <a:solidFill>
                   <a:schemeClr val="accent1"/>
                 </a:solidFill>
               </a14:hiddenFill>
             </a:ext>
             <a:ext uri="{91240B29-F687-4F45-9708-019B960494DF}">
-              <a14:hiddenLine xmlns:a14="http://schemas.microsoft.com/office/drawing/2010/main" w="9525">
+              <a14:hiddenLine xmlns:a14="http://schemas.microsoft.com/office/drawing/2010/main" xmlns="" w="9525">
                 <a:solidFill>
                   <a:schemeClr val="tx1"/>
                 </a:solidFill>
@@ -10758,7 +10925,7 @@
               </a14:hiddenLine>
             </a:ext>
             <a:ext uri="{AF507438-7753-43E0-B8FC-AC1667EBCBE1}">
-              <a14:hiddenEffects xmlns:a14="http://schemas.microsoft.com/office/drawing/2010/main">
+              <a14:hiddenEffects xmlns:a14="http://schemas.microsoft.com/office/drawing/2010/main" xmlns="">
                 <a:effectLst>
                   <a:outerShdw dist="35921" dir="2700000" algn="ctr" rotWithShape="0">
                     <a:schemeClr val="bg2"/>
@@ -10883,7 +11050,7 @@
           <a:blip r:embed="rId3">
             <a:extLst>
               <a:ext uri="{28A0092B-C50C-407E-A947-70E740481C1C}">
-                <a14:useLocalDpi xmlns:a14="http://schemas.microsoft.com/office/drawing/2010/main" val="0"/>
+                <a14:useLocalDpi xmlns:a14="http://schemas.microsoft.com/office/drawing/2010/main" xmlns="" val="0"/>
               </a:ext>
             </a:extLst>
           </a:blip>
@@ -10907,14 +11074,14 @@
           <a:effectLst/>
           <a:extLst>
             <a:ext uri="{909E8E84-426E-40DD-AFC4-6F175D3DCCD1}">
-              <a14:hiddenFill xmlns:a14="http://schemas.microsoft.com/office/drawing/2010/main">
+              <a14:hiddenFill xmlns:a14="http://schemas.microsoft.com/office/drawing/2010/main" xmlns="">
                 <a:solidFill>
                   <a:schemeClr val="accent1"/>
                 </a:solidFill>
               </a14:hiddenFill>
             </a:ext>
             <a:ext uri="{91240B29-F687-4F45-9708-019B960494DF}">
-              <a14:hiddenLine xmlns:a14="http://schemas.microsoft.com/office/drawing/2010/main" w="9525">
+              <a14:hiddenLine xmlns:a14="http://schemas.microsoft.com/office/drawing/2010/main" xmlns="" w="9525">
                 <a:solidFill>
                   <a:schemeClr val="tx1"/>
                 </a:solidFill>
@@ -10924,7 +11091,7 @@
               </a14:hiddenLine>
             </a:ext>
             <a:ext uri="{AF507438-7753-43E0-B8FC-AC1667EBCBE1}">
-              <a14:hiddenEffects xmlns:a14="http://schemas.microsoft.com/office/drawing/2010/main">
+              <a14:hiddenEffects xmlns:a14="http://schemas.microsoft.com/office/drawing/2010/main" xmlns="">
                 <a:effectLst>
                   <a:outerShdw dist="35921" dir="2700000" algn="ctr" rotWithShape="0">
                     <a:schemeClr val="bg2"/>
